--- a/doc/bao_cao.pptx
+++ b/doc/bao_cao.pptx
@@ -5044,7 +5044,7 @@
           <a:p>
             <a:fld id="{9B0BC1D1-79D6-BA47-AE99-8A979A2D2A69}" type="datetimeFigureOut">
               <a:rPr lang="en-VN" smtClean="0"/>
-              <a:t>5/23/21</a:t>
+              <a:t>5/27/21</a:t>
             </a:fld>
             <a:endParaRPr lang="en-VN"/>
           </a:p>
@@ -6202,7 +6202,7 @@
           <a:p>
             <a:fld id="{B8DA7C5D-983D-4D34-9E4E-4E8B01AF0D49}" type="datetimeFigureOut">
               <a:rPr lang="en-US" smtClean="0"/>
-              <a:t>5/23/21</a:t>
+              <a:t>5/27/21</a:t>
             </a:fld>
             <a:endParaRPr lang="en-US"/>
           </a:p>
@@ -6453,7 +6453,7 @@
           <a:p>
             <a:fld id="{B8DA7C5D-983D-4D34-9E4E-4E8B01AF0D49}" type="datetimeFigureOut">
               <a:rPr lang="en-US" smtClean="0"/>
-              <a:t>5/23/21</a:t>
+              <a:t>5/27/21</a:t>
             </a:fld>
             <a:endParaRPr lang="en-US"/>
           </a:p>
@@ -6767,7 +6767,7 @@
           <a:p>
             <a:fld id="{B8DA7C5D-983D-4D34-9E4E-4E8B01AF0D49}" type="datetimeFigureOut">
               <a:rPr lang="en-US" smtClean="0"/>
-              <a:t>5/23/21</a:t>
+              <a:t>5/27/21</a:t>
             </a:fld>
             <a:endParaRPr lang="en-US"/>
           </a:p>
@@ -7108,7 +7108,7 @@
           <a:p>
             <a:fld id="{B8DA7C5D-983D-4D34-9E4E-4E8B01AF0D49}" type="datetimeFigureOut">
               <a:rPr lang="en-US" smtClean="0"/>
-              <a:t>5/23/21</a:t>
+              <a:t>5/27/21</a:t>
             </a:fld>
             <a:endParaRPr lang="en-US"/>
           </a:p>
@@ -7422,7 +7422,7 @@
           <a:p>
             <a:fld id="{B8DA7C5D-983D-4D34-9E4E-4E8B01AF0D49}" type="datetimeFigureOut">
               <a:rPr lang="en-US" smtClean="0"/>
-              <a:t>5/23/21</a:t>
+              <a:t>5/27/21</a:t>
             </a:fld>
             <a:endParaRPr lang="en-US"/>
           </a:p>
@@ -7815,7 +7815,7 @@
           <a:p>
             <a:fld id="{B8DA7C5D-983D-4D34-9E4E-4E8B01AF0D49}" type="datetimeFigureOut">
               <a:rPr lang="en-US" smtClean="0"/>
-              <a:t>5/23/21</a:t>
+              <a:t>5/27/21</a:t>
             </a:fld>
             <a:endParaRPr lang="en-US"/>
           </a:p>
@@ -7985,7 +7985,7 @@
           <a:p>
             <a:fld id="{B8DA7C5D-983D-4D34-9E4E-4E8B01AF0D49}" type="datetimeFigureOut">
               <a:rPr lang="en-US" smtClean="0"/>
-              <a:t>5/23/21</a:t>
+              <a:t>5/27/21</a:t>
             </a:fld>
             <a:endParaRPr lang="en-US"/>
           </a:p>
@@ -8165,7 +8165,7 @@
           <a:p>
             <a:fld id="{B8DA7C5D-983D-4D34-9E4E-4E8B01AF0D49}" type="datetimeFigureOut">
               <a:rPr lang="en-US" smtClean="0"/>
-              <a:t>5/23/21</a:t>
+              <a:t>5/27/21</a:t>
             </a:fld>
             <a:endParaRPr lang="en-US"/>
           </a:p>
@@ -8482,7 +8482,7 @@
           <a:p>
             <a:fld id="{B8DA7C5D-983D-4D34-9E4E-4E8B01AF0D49}" type="datetimeFigureOut">
               <a:rPr lang="en-US" smtClean="0"/>
-              <a:t>5/23/21</a:t>
+              <a:t>5/27/21</a:t>
             </a:fld>
             <a:endParaRPr lang="en-US"/>
           </a:p>
@@ -8658,7 +8658,7 @@
           <a:p>
             <a:fld id="{B8DA7C5D-983D-4D34-9E4E-4E8B01AF0D49}" type="datetimeFigureOut">
               <a:rPr lang="en-US" smtClean="0"/>
-              <a:t>5/23/21</a:t>
+              <a:t>5/27/21</a:t>
             </a:fld>
             <a:endParaRPr lang="en-US"/>
           </a:p>
@@ -8905,7 +8905,7 @@
           <a:p>
             <a:fld id="{B8DA7C5D-983D-4D34-9E4E-4E8B01AF0D49}" type="datetimeFigureOut">
               <a:rPr lang="en-US" smtClean="0"/>
-              <a:t>5/23/21</a:t>
+              <a:t>5/27/21</a:t>
             </a:fld>
             <a:endParaRPr lang="en-US"/>
           </a:p>
@@ -9137,7 +9137,7 @@
           <a:p>
             <a:fld id="{B8DA7C5D-983D-4D34-9E4E-4E8B01AF0D49}" type="datetimeFigureOut">
               <a:rPr lang="en-US" smtClean="0"/>
-              <a:t>5/23/21</a:t>
+              <a:t>5/27/21</a:t>
             </a:fld>
             <a:endParaRPr lang="en-US"/>
           </a:p>
@@ -9511,7 +9511,7 @@
           <a:p>
             <a:fld id="{B8DA7C5D-983D-4D34-9E4E-4E8B01AF0D49}" type="datetimeFigureOut">
               <a:rPr lang="en-US" smtClean="0"/>
-              <a:t>5/23/21</a:t>
+              <a:t>5/27/21</a:t>
             </a:fld>
             <a:endParaRPr lang="en-US"/>
           </a:p>
@@ -9634,7 +9634,7 @@
           <a:p>
             <a:fld id="{B8DA7C5D-983D-4D34-9E4E-4E8B01AF0D49}" type="datetimeFigureOut">
               <a:rPr lang="en-US" smtClean="0"/>
-              <a:t>5/23/21</a:t>
+              <a:t>5/27/21</a:t>
             </a:fld>
             <a:endParaRPr lang="en-US"/>
           </a:p>
@@ -9729,7 +9729,7 @@
           <a:p>
             <a:fld id="{B8DA7C5D-983D-4D34-9E4E-4E8B01AF0D49}" type="datetimeFigureOut">
               <a:rPr lang="en-US" smtClean="0"/>
-              <a:t>5/23/21</a:t>
+              <a:t>5/27/21</a:t>
             </a:fld>
             <a:endParaRPr lang="en-US"/>
           </a:p>
@@ -9984,7 +9984,7 @@
           <a:p>
             <a:fld id="{B8DA7C5D-983D-4D34-9E4E-4E8B01AF0D49}" type="datetimeFigureOut">
               <a:rPr lang="en-US" smtClean="0"/>
-              <a:t>5/23/21</a:t>
+              <a:t>5/27/21</a:t>
             </a:fld>
             <a:endParaRPr lang="en-US"/>
           </a:p>
@@ -10247,7 +10247,7 @@
           <a:p>
             <a:fld id="{B8DA7C5D-983D-4D34-9E4E-4E8B01AF0D49}" type="datetimeFigureOut">
               <a:rPr lang="en-US" smtClean="0"/>
-              <a:t>5/23/21</a:t>
+              <a:t>5/27/21</a:t>
             </a:fld>
             <a:endParaRPr lang="en-US"/>
           </a:p>
@@ -10990,7 +10990,7 @@
           <a:p>
             <a:fld id="{B8DA7C5D-983D-4D34-9E4E-4E8B01AF0D49}" type="datetimeFigureOut">
               <a:rPr lang="en-US" smtClean="0"/>
-              <a:t>5/23/21</a:t>
+              <a:t>5/27/21</a:t>
             </a:fld>
             <a:endParaRPr lang="en-US"/>
           </a:p>
@@ -11893,7 +11893,7 @@
                 <a:latin typeface="Times New Roman" panose="02020603050405020304" pitchFamily="18" charset="0"/>
                 <a:cs typeface="Times New Roman" panose="02020603050405020304" pitchFamily="18" charset="0"/>
               </a:rPr>
-              <a:t>: 2017601450</a:t>
+              <a:t>: 2017601398</a:t>
             </a:r>
           </a:p>
           <a:p>
@@ -13593,13 +13593,13 @@
   <p:clrMapOvr>
     <a:masterClrMapping/>
   </p:clrMapOvr>
-  <mc:AlternateContent xmlns:mc="http://schemas.openxmlformats.org/markup-compatibility/2006">
-    <mc:Choice xmlns:p14="http://schemas.microsoft.com/office/powerpoint/2010/main" Requires="p14">
+  <mc:AlternateContent xmlns:mc="http://schemas.openxmlformats.org/markup-compatibility/2006" xmlns:p14="http://schemas.microsoft.com/office/powerpoint/2010/main">
+    <mc:Choice Requires="p14">
       <p:transition spd="slow" p14:dur="1250">
         <p14:switch dir="r"/>
       </p:transition>
     </mc:Choice>
-    <mc:Fallback>
+    <mc:Fallback xmlns="">
       <p:transition spd="slow">
         <p:fade/>
       </p:transition>
@@ -14420,13 +14420,13 @@
   <p:clrMapOvr>
     <a:masterClrMapping/>
   </p:clrMapOvr>
-  <mc:AlternateContent xmlns:mc="http://schemas.openxmlformats.org/markup-compatibility/2006">
-    <mc:Choice xmlns:p15="http://schemas.microsoft.com/office/powerpoint/2012/main" Requires="p15">
+  <mc:AlternateContent xmlns:mc="http://schemas.openxmlformats.org/markup-compatibility/2006" xmlns:p15="http://schemas.microsoft.com/office/powerpoint/2012/main">
+    <mc:Choice Requires="p15">
       <p:transition xmlns:p14="http://schemas.microsoft.com/office/powerpoint/2010/main" spd="slow" p14:dur="3250">
         <p15:prstTrans prst="origami"/>
       </p:transition>
     </mc:Choice>
-    <mc:Fallback>
+    <mc:Fallback xmlns="">
       <p:transition spd="slow">
         <p:fade/>
       </p:transition>
@@ -14761,13 +14761,13 @@
   <p:clrMapOvr>
     <a:masterClrMapping/>
   </p:clrMapOvr>
-  <mc:AlternateContent xmlns:mc="http://schemas.openxmlformats.org/markup-compatibility/2006">
-    <mc:Choice xmlns:p14="http://schemas.microsoft.com/office/powerpoint/2010/main" Requires="p14">
+  <mc:AlternateContent xmlns:mc="http://schemas.openxmlformats.org/markup-compatibility/2006" xmlns:p14="http://schemas.microsoft.com/office/powerpoint/2010/main">
+    <mc:Choice Requires="p14">
       <p:transition spd="slow" p14:dur="1500">
         <p:split orient="vert"/>
       </p:transition>
     </mc:Choice>
-    <mc:Fallback>
+    <mc:Fallback xmlns="">
       <p:transition spd="slow">
         <p:split orient="vert"/>
       </p:transition>
@@ -16912,13 +16912,13 @@
   <p:clrMapOvr>
     <a:masterClrMapping/>
   </p:clrMapOvr>
-  <mc:AlternateContent xmlns:mc="http://schemas.openxmlformats.org/markup-compatibility/2006">
-    <mc:Choice xmlns:p159="http://schemas.microsoft.com/office/powerpoint/2015/09/main" Requires="p159">
+  <mc:AlternateContent xmlns:mc="http://schemas.openxmlformats.org/markup-compatibility/2006" xmlns:p159="http://schemas.microsoft.com/office/powerpoint/2015/09/main">
+    <mc:Choice Requires="p159">
       <p:transition xmlns:p14="http://schemas.microsoft.com/office/powerpoint/2010/main" spd="slow" p14:dur="2000">
         <p159:morph option="byObject"/>
       </p:transition>
     </mc:Choice>
-    <mc:Fallback>
+    <mc:Fallback xmlns="">
       <p:transition spd="slow">
         <p:fade/>
       </p:transition>
@@ -19432,6 +19432,16 @@
           <a:lstStyle/>
           <a:p>
             <a:r>
+              <a:rPr lang="en-US" b="1" dirty="0" err="1">
+                <a:solidFill>
+                  <a:schemeClr val="accent1"/>
+                </a:solidFill>
+                <a:latin typeface="Times New Roman" panose="02020603050405020304" pitchFamily="18" charset="0"/>
+                <a:cs typeface="Times New Roman" panose="02020603050405020304" pitchFamily="18" charset="0"/>
+              </a:rPr>
+              <a:t>Các</a:t>
+            </a:r>
+            <a:r>
               <a:rPr lang="en-US" b="1" dirty="0">
                 <a:solidFill>
                   <a:schemeClr val="accent1"/>
@@ -19439,8 +19449,105 @@
                 <a:latin typeface="Times New Roman" panose="02020603050405020304" pitchFamily="18" charset="0"/>
                 <a:cs typeface="Times New Roman" panose="02020603050405020304" pitchFamily="18" charset="0"/>
               </a:rPr>
-              <a:t>CÁC CÔNG NGHỆ ĐƯỢC SỬ DỤNG</a:t>
-            </a:r>
+              <a:t> </a:t>
+            </a:r>
+            <a:r>
+              <a:rPr lang="en-US" b="1" dirty="0" err="1">
+                <a:solidFill>
+                  <a:schemeClr val="accent1"/>
+                </a:solidFill>
+                <a:latin typeface="Times New Roman" panose="02020603050405020304" pitchFamily="18" charset="0"/>
+                <a:cs typeface="Times New Roman" panose="02020603050405020304" pitchFamily="18" charset="0"/>
+              </a:rPr>
+              <a:t>Công</a:t>
+            </a:r>
+            <a:r>
+              <a:rPr lang="en-US" b="1" dirty="0">
+                <a:solidFill>
+                  <a:schemeClr val="accent1"/>
+                </a:solidFill>
+                <a:latin typeface="Times New Roman" panose="02020603050405020304" pitchFamily="18" charset="0"/>
+                <a:cs typeface="Times New Roman" panose="02020603050405020304" pitchFamily="18" charset="0"/>
+              </a:rPr>
+              <a:t> </a:t>
+            </a:r>
+            <a:r>
+              <a:rPr lang="en-US" b="1" dirty="0" err="1">
+                <a:solidFill>
+                  <a:schemeClr val="accent1"/>
+                </a:solidFill>
+                <a:latin typeface="Times New Roman" panose="02020603050405020304" pitchFamily="18" charset="0"/>
+                <a:cs typeface="Times New Roman" panose="02020603050405020304" pitchFamily="18" charset="0"/>
+              </a:rPr>
+              <a:t>Nghệ</a:t>
+            </a:r>
+            <a:r>
+              <a:rPr lang="en-US" b="1" dirty="0">
+                <a:solidFill>
+                  <a:schemeClr val="accent1"/>
+                </a:solidFill>
+                <a:latin typeface="Times New Roman" panose="02020603050405020304" pitchFamily="18" charset="0"/>
+                <a:cs typeface="Times New Roman" panose="02020603050405020304" pitchFamily="18" charset="0"/>
+              </a:rPr>
+              <a:t> </a:t>
+            </a:r>
+            <a:r>
+              <a:rPr lang="en-US" b="1" dirty="0" err="1">
+                <a:solidFill>
+                  <a:schemeClr val="accent1"/>
+                </a:solidFill>
+                <a:latin typeface="Times New Roman" panose="02020603050405020304" pitchFamily="18" charset="0"/>
+                <a:cs typeface="Times New Roman" panose="02020603050405020304" pitchFamily="18" charset="0"/>
+              </a:rPr>
+              <a:t>Được</a:t>
+            </a:r>
+            <a:r>
+              <a:rPr lang="en-US" b="1" dirty="0">
+                <a:solidFill>
+                  <a:schemeClr val="accent1"/>
+                </a:solidFill>
+                <a:latin typeface="Times New Roman" panose="02020603050405020304" pitchFamily="18" charset="0"/>
+                <a:cs typeface="Times New Roman" panose="02020603050405020304" pitchFamily="18" charset="0"/>
+              </a:rPr>
+              <a:t> </a:t>
+            </a:r>
+            <a:r>
+              <a:rPr lang="en-US" b="1" dirty="0" err="1">
+                <a:solidFill>
+                  <a:schemeClr val="accent1"/>
+                </a:solidFill>
+                <a:latin typeface="Times New Roman" panose="02020603050405020304" pitchFamily="18" charset="0"/>
+                <a:cs typeface="Times New Roman" panose="02020603050405020304" pitchFamily="18" charset="0"/>
+              </a:rPr>
+              <a:t>Sử</a:t>
+            </a:r>
+            <a:r>
+              <a:rPr lang="en-US" b="1" dirty="0">
+                <a:solidFill>
+                  <a:schemeClr val="accent1"/>
+                </a:solidFill>
+                <a:latin typeface="Times New Roman" panose="02020603050405020304" pitchFamily="18" charset="0"/>
+                <a:cs typeface="Times New Roman" panose="02020603050405020304" pitchFamily="18" charset="0"/>
+              </a:rPr>
+              <a:t> </a:t>
+            </a:r>
+            <a:r>
+              <a:rPr lang="en-US" b="1" dirty="0" err="1">
+                <a:solidFill>
+                  <a:schemeClr val="accent1"/>
+                </a:solidFill>
+                <a:latin typeface="Times New Roman" panose="02020603050405020304" pitchFamily="18" charset="0"/>
+                <a:cs typeface="Times New Roman" panose="02020603050405020304" pitchFamily="18" charset="0"/>
+              </a:rPr>
+              <a:t>Dụng</a:t>
+            </a:r>
+            <a:endParaRPr lang="en-US" b="1" dirty="0">
+              <a:solidFill>
+                <a:schemeClr val="accent1"/>
+              </a:solidFill>
+              <a:latin typeface="Times New Roman" panose="02020603050405020304" pitchFamily="18" charset="0"/>
+              <a:cs typeface="Times New Roman" panose="02020603050405020304" pitchFamily="18" charset="0"/>
+            </a:endParaRPr>
           </a:p>
         </p:txBody>
       </p:sp>
@@ -19593,13 +19700,13 @@
   <p:clrMapOvr>
     <a:masterClrMapping/>
   </p:clrMapOvr>
-  <mc:AlternateContent xmlns:mc="http://schemas.openxmlformats.org/markup-compatibility/2006">
-    <mc:Choice xmlns:p14="http://schemas.microsoft.com/office/powerpoint/2010/main" Requires="p14">
+  <mc:AlternateContent xmlns:mc="http://schemas.openxmlformats.org/markup-compatibility/2006" xmlns:p14="http://schemas.microsoft.com/office/powerpoint/2010/main">
+    <mc:Choice Requires="p14">
       <p:transition spd="slow" p14:dur="2000">
         <p14:ferris dir="l"/>
       </p:transition>
     </mc:Choice>
-    <mc:Fallback>
+    <mc:Fallback xmlns="">
       <p:transition spd="slow">
         <p:fade/>
       </p:transition>
@@ -20182,13 +20289,13 @@
   <p:clrMapOvr>
     <a:masterClrMapping/>
   </p:clrMapOvr>
-  <mc:AlternateContent xmlns:mc="http://schemas.openxmlformats.org/markup-compatibility/2006">
-    <mc:Choice xmlns:p14="http://schemas.microsoft.com/office/powerpoint/2010/main" Requires="p14">
+  <mc:AlternateContent xmlns:mc="http://schemas.openxmlformats.org/markup-compatibility/2006" xmlns:p14="http://schemas.microsoft.com/office/powerpoint/2010/main">
+    <mc:Choice Requires="p14">
       <p:transition spd="slow" p14:dur="1600">
         <p14:conveyor dir="l"/>
       </p:transition>
     </mc:Choice>
-    <mc:Fallback>
+    <mc:Fallback xmlns="">
       <p:transition spd="slow">
         <p:fade/>
       </p:transition>
@@ -20810,13 +20917,13 @@
   <p:clrMapOvr>
     <a:masterClrMapping/>
   </p:clrMapOvr>
-  <mc:AlternateContent xmlns:mc="http://schemas.openxmlformats.org/markup-compatibility/2006">
-    <mc:Choice xmlns:p15="http://schemas.microsoft.com/office/powerpoint/2012/main" Requires="p15">
+  <mc:AlternateContent xmlns:mc="http://schemas.openxmlformats.org/markup-compatibility/2006" xmlns:p15="http://schemas.microsoft.com/office/powerpoint/2012/main">
+    <mc:Choice Requires="p15">
       <p:transition xmlns:p14="http://schemas.microsoft.com/office/powerpoint/2010/main" spd="slow" p14:dur="1250">
         <p15:prstTrans prst="pageCurlDouble"/>
       </p:transition>
     </mc:Choice>
-    <mc:Fallback>
+    <mc:Fallback xmlns="">
       <p:transition spd="slow">
         <p:fade/>
       </p:transition>
@@ -22186,13 +22293,13 @@
   <p:clrMapOvr>
     <a:masterClrMapping/>
   </p:clrMapOvr>
-  <mc:AlternateContent xmlns:mc="http://schemas.openxmlformats.org/markup-compatibility/2006">
-    <mc:Choice xmlns:p14="http://schemas.microsoft.com/office/powerpoint/2010/main" Requires="p14">
+  <mc:AlternateContent xmlns:mc="http://schemas.openxmlformats.org/markup-compatibility/2006" xmlns:p14="http://schemas.microsoft.com/office/powerpoint/2010/main">
+    <mc:Choice Requires="p14">
       <p:transition spd="slow" p14:dur="1250">
         <p14:switch dir="r"/>
       </p:transition>
     </mc:Choice>
-    <mc:Fallback>
+    <mc:Fallback xmlns="">
       <p:transition spd="slow">
         <p:fade/>
       </p:transition>
@@ -22925,13 +23032,13 @@
   <p:clrMapOvr>
     <a:masterClrMapping/>
   </p:clrMapOvr>
-  <mc:AlternateContent xmlns:mc="http://schemas.openxmlformats.org/markup-compatibility/2006">
-    <mc:Choice xmlns:p14="http://schemas.microsoft.com/office/powerpoint/2010/main" Requires="p14">
+  <mc:AlternateContent xmlns:mc="http://schemas.openxmlformats.org/markup-compatibility/2006" xmlns:p14="http://schemas.microsoft.com/office/powerpoint/2010/main">
+    <mc:Choice Requires="p14">
       <p:transition spd="slow" p14:dur="1250">
         <p14:switch dir="r"/>
       </p:transition>
     </mc:Choice>
-    <mc:Fallback>
+    <mc:Fallback xmlns="">
       <p:transition spd="slow">
         <p:fade/>
       </p:transition>
